--- a/documentaion/The Bankers presentation.pptx
+++ b/documentaion/The Bankers presentation.pptx
@@ -20,11 +20,11 @@
   <p:notesSz cx="6858000" cy="9144000"/>
   <p:embeddedFontLst>
     <p:embeddedFont>
-      <p:font typeface="Abel" panose="02000506030000020004" pitchFamily="2" charset="0"/>
+      <p:font typeface="Abel" panose="020B0604020202020204" charset="0"/>
       <p:regular r:id="rId10"/>
     </p:embeddedFont>
     <p:embeddedFont>
-      <p:font typeface="Fjalla One" panose="02000506040000020004" pitchFamily="2" charset="0"/>
+      <p:font typeface="Fjalla One" panose="020B0604020202020204" charset="0"/>
       <p:regular r:id="rId11"/>
     </p:embeddedFont>
   </p:embeddedFontLst>
@@ -20731,6 +20731,773 @@
   <p:clrMapOvr>
     <a:masterClrMapping/>
   </p:clrMapOvr>
+  <mc:AlternateContent xmlns:mc="http://schemas.openxmlformats.org/markup-compatibility/2006">
+    <mc:Choice xmlns:p14="http://schemas.microsoft.com/office/powerpoint/2010/main" Requires="p14">
+      <p:transition spd="slow" p14:dur="800">
+        <p:circle/>
+      </p:transition>
+    </mc:Choice>
+    <mc:Fallback>
+      <p:transition spd="slow">
+        <p:circle/>
+      </p:transition>
+    </mc:Fallback>
+  </mc:AlternateContent>
+  <p:timing>
+    <p:tnLst>
+      <p:par>
+        <p:cTn id="1" dur="indefinite" restart="never" nodeType="tmRoot">
+          <p:childTnLst>
+            <p:seq concurrent="1" nextAc="seek">
+              <p:cTn id="2" dur="indefinite" nodeType="mainSeq">
+                <p:childTnLst>
+                  <p:par>
+                    <p:cTn id="3" fill="hold">
+                      <p:stCondLst>
+                        <p:cond delay="indefinite"/>
+                        <p:cond evt="onBegin" delay="0">
+                          <p:tn val="2"/>
+                        </p:cond>
+                      </p:stCondLst>
+                      <p:childTnLst>
+                        <p:par>
+                          <p:cTn id="4" fill="hold">
+                            <p:stCondLst>
+                              <p:cond delay="0"/>
+                            </p:stCondLst>
+                            <p:childTnLst>
+                              <p:par>
+                                <p:cTn id="5" presetID="2" presetClass="entr" presetSubtype="4" fill="hold" grpId="0" nodeType="withEffect">
+                                  <p:stCondLst>
+                                    <p:cond delay="0"/>
+                                  </p:stCondLst>
+                                  <p:childTnLst>
+                                    <p:set>
+                                      <p:cBhvr>
+                                        <p:cTn id="6" dur="1" fill="hold">
+                                          <p:stCondLst>
+                                            <p:cond delay="0"/>
+                                          </p:stCondLst>
+                                        </p:cTn>
+                                        <p:tgtEl>
+                                          <p:spTgt spid="252"/>
+                                        </p:tgtEl>
+                                        <p:attrNameLst>
+                                          <p:attrName>style.visibility</p:attrName>
+                                        </p:attrNameLst>
+                                      </p:cBhvr>
+                                      <p:to>
+                                        <p:strVal val="visible"/>
+                                      </p:to>
+                                    </p:set>
+                                    <p:anim calcmode="lin" valueType="num">
+                                      <p:cBhvr additive="base">
+                                        <p:cTn id="7" dur="500" fill="hold"/>
+                                        <p:tgtEl>
+                                          <p:spTgt spid="252"/>
+                                        </p:tgtEl>
+                                        <p:attrNameLst>
+                                          <p:attrName>ppt_x</p:attrName>
+                                        </p:attrNameLst>
+                                      </p:cBhvr>
+                                      <p:tavLst>
+                                        <p:tav tm="0">
+                                          <p:val>
+                                            <p:strVal val="#ppt_x"/>
+                                          </p:val>
+                                        </p:tav>
+                                        <p:tav tm="100000">
+                                          <p:val>
+                                            <p:strVal val="#ppt_x"/>
+                                          </p:val>
+                                        </p:tav>
+                                      </p:tavLst>
+                                    </p:anim>
+                                    <p:anim calcmode="lin" valueType="num">
+                                      <p:cBhvr additive="base">
+                                        <p:cTn id="8" dur="500" fill="hold"/>
+                                        <p:tgtEl>
+                                          <p:spTgt spid="252"/>
+                                        </p:tgtEl>
+                                        <p:attrNameLst>
+                                          <p:attrName>ppt_y</p:attrName>
+                                        </p:attrNameLst>
+                                      </p:cBhvr>
+                                      <p:tavLst>
+                                        <p:tav tm="0">
+                                          <p:val>
+                                            <p:strVal val="1+#ppt_h/2"/>
+                                          </p:val>
+                                        </p:tav>
+                                        <p:tav tm="100000">
+                                          <p:val>
+                                            <p:strVal val="#ppt_y"/>
+                                          </p:val>
+                                        </p:tav>
+                                      </p:tavLst>
+                                    </p:anim>
+                                  </p:childTnLst>
+                                </p:cTn>
+                              </p:par>
+                              <p:par>
+                                <p:cTn id="9" presetID="2" presetClass="entr" presetSubtype="4" fill="hold" grpId="0" nodeType="withEffect">
+                                  <p:stCondLst>
+                                    <p:cond delay="0"/>
+                                  </p:stCondLst>
+                                  <p:childTnLst>
+                                    <p:set>
+                                      <p:cBhvr>
+                                        <p:cTn id="10" dur="1" fill="hold">
+                                          <p:stCondLst>
+                                            <p:cond delay="0"/>
+                                          </p:stCondLst>
+                                        </p:cTn>
+                                        <p:tgtEl>
+                                          <p:spTgt spid="253"/>
+                                        </p:tgtEl>
+                                        <p:attrNameLst>
+                                          <p:attrName>style.visibility</p:attrName>
+                                        </p:attrNameLst>
+                                      </p:cBhvr>
+                                      <p:to>
+                                        <p:strVal val="visible"/>
+                                      </p:to>
+                                    </p:set>
+                                    <p:anim calcmode="lin" valueType="num">
+                                      <p:cBhvr additive="base">
+                                        <p:cTn id="11" dur="500" fill="hold"/>
+                                        <p:tgtEl>
+                                          <p:spTgt spid="253"/>
+                                        </p:tgtEl>
+                                        <p:attrNameLst>
+                                          <p:attrName>ppt_x</p:attrName>
+                                        </p:attrNameLst>
+                                      </p:cBhvr>
+                                      <p:tavLst>
+                                        <p:tav tm="0">
+                                          <p:val>
+                                            <p:strVal val="#ppt_x"/>
+                                          </p:val>
+                                        </p:tav>
+                                        <p:tav tm="100000">
+                                          <p:val>
+                                            <p:strVal val="#ppt_x"/>
+                                          </p:val>
+                                        </p:tav>
+                                      </p:tavLst>
+                                    </p:anim>
+                                    <p:anim calcmode="lin" valueType="num">
+                                      <p:cBhvr additive="base">
+                                        <p:cTn id="12" dur="500" fill="hold"/>
+                                        <p:tgtEl>
+                                          <p:spTgt spid="253"/>
+                                        </p:tgtEl>
+                                        <p:attrNameLst>
+                                          <p:attrName>ppt_y</p:attrName>
+                                        </p:attrNameLst>
+                                      </p:cBhvr>
+                                      <p:tavLst>
+                                        <p:tav tm="0">
+                                          <p:val>
+                                            <p:strVal val="1+#ppt_h/2"/>
+                                          </p:val>
+                                        </p:tav>
+                                        <p:tav tm="100000">
+                                          <p:val>
+                                            <p:strVal val="#ppt_y"/>
+                                          </p:val>
+                                        </p:tav>
+                                      </p:tavLst>
+                                    </p:anim>
+                                  </p:childTnLst>
+                                </p:cTn>
+                              </p:par>
+                              <p:par>
+                                <p:cTn id="13" presetID="2" presetClass="entr" presetSubtype="4" fill="hold" grpId="0" nodeType="withEffect">
+                                  <p:stCondLst>
+                                    <p:cond delay="0"/>
+                                  </p:stCondLst>
+                                  <p:childTnLst>
+                                    <p:set>
+                                      <p:cBhvr>
+                                        <p:cTn id="14" dur="1" fill="hold">
+                                          <p:stCondLst>
+                                            <p:cond delay="0"/>
+                                          </p:stCondLst>
+                                        </p:cTn>
+                                        <p:tgtEl>
+                                          <p:spTgt spid="257"/>
+                                        </p:tgtEl>
+                                        <p:attrNameLst>
+                                          <p:attrName>style.visibility</p:attrName>
+                                        </p:attrNameLst>
+                                      </p:cBhvr>
+                                      <p:to>
+                                        <p:strVal val="visible"/>
+                                      </p:to>
+                                    </p:set>
+                                    <p:anim calcmode="lin" valueType="num">
+                                      <p:cBhvr additive="base">
+                                        <p:cTn id="15" dur="500" fill="hold"/>
+                                        <p:tgtEl>
+                                          <p:spTgt spid="257"/>
+                                        </p:tgtEl>
+                                        <p:attrNameLst>
+                                          <p:attrName>ppt_x</p:attrName>
+                                        </p:attrNameLst>
+                                      </p:cBhvr>
+                                      <p:tavLst>
+                                        <p:tav tm="0">
+                                          <p:val>
+                                            <p:strVal val="#ppt_x"/>
+                                          </p:val>
+                                        </p:tav>
+                                        <p:tav tm="100000">
+                                          <p:val>
+                                            <p:strVal val="#ppt_x"/>
+                                          </p:val>
+                                        </p:tav>
+                                      </p:tavLst>
+                                    </p:anim>
+                                    <p:anim calcmode="lin" valueType="num">
+                                      <p:cBhvr additive="base">
+                                        <p:cTn id="16" dur="500" fill="hold"/>
+                                        <p:tgtEl>
+                                          <p:spTgt spid="257"/>
+                                        </p:tgtEl>
+                                        <p:attrNameLst>
+                                          <p:attrName>ppt_y</p:attrName>
+                                        </p:attrNameLst>
+                                      </p:cBhvr>
+                                      <p:tavLst>
+                                        <p:tav tm="0">
+                                          <p:val>
+                                            <p:strVal val="1+#ppt_h/2"/>
+                                          </p:val>
+                                        </p:tav>
+                                        <p:tav tm="100000">
+                                          <p:val>
+                                            <p:strVal val="#ppt_y"/>
+                                          </p:val>
+                                        </p:tav>
+                                      </p:tavLst>
+                                    </p:anim>
+                                  </p:childTnLst>
+                                </p:cTn>
+                              </p:par>
+                            </p:childTnLst>
+                          </p:cTn>
+                        </p:par>
+                      </p:childTnLst>
+                    </p:cTn>
+                  </p:par>
+                  <p:par>
+                    <p:cTn id="17" fill="hold">
+                      <p:stCondLst>
+                        <p:cond delay="indefinite"/>
+                      </p:stCondLst>
+                      <p:childTnLst>
+                        <p:par>
+                          <p:cTn id="18" fill="hold">
+                            <p:stCondLst>
+                              <p:cond delay="0"/>
+                            </p:stCondLst>
+                            <p:childTnLst>
+                              <p:par>
+                                <p:cTn id="19" presetID="2" presetClass="entr" presetSubtype="4" fill="hold" grpId="0" nodeType="clickEffect">
+                                  <p:stCondLst>
+                                    <p:cond delay="0"/>
+                                  </p:stCondLst>
+                                  <p:childTnLst>
+                                    <p:set>
+                                      <p:cBhvr>
+                                        <p:cTn id="20" dur="1" fill="hold">
+                                          <p:stCondLst>
+                                            <p:cond delay="0"/>
+                                          </p:stCondLst>
+                                        </p:cTn>
+                                        <p:tgtEl>
+                                          <p:spTgt spid="254"/>
+                                        </p:tgtEl>
+                                        <p:attrNameLst>
+                                          <p:attrName>style.visibility</p:attrName>
+                                        </p:attrNameLst>
+                                      </p:cBhvr>
+                                      <p:to>
+                                        <p:strVal val="visible"/>
+                                      </p:to>
+                                    </p:set>
+                                    <p:anim calcmode="lin" valueType="num">
+                                      <p:cBhvr additive="base">
+                                        <p:cTn id="21" dur="500" fill="hold"/>
+                                        <p:tgtEl>
+                                          <p:spTgt spid="254"/>
+                                        </p:tgtEl>
+                                        <p:attrNameLst>
+                                          <p:attrName>ppt_x</p:attrName>
+                                        </p:attrNameLst>
+                                      </p:cBhvr>
+                                      <p:tavLst>
+                                        <p:tav tm="0">
+                                          <p:val>
+                                            <p:strVal val="#ppt_x"/>
+                                          </p:val>
+                                        </p:tav>
+                                        <p:tav tm="100000">
+                                          <p:val>
+                                            <p:strVal val="#ppt_x"/>
+                                          </p:val>
+                                        </p:tav>
+                                      </p:tavLst>
+                                    </p:anim>
+                                    <p:anim calcmode="lin" valueType="num">
+                                      <p:cBhvr additive="base">
+                                        <p:cTn id="22" dur="500" fill="hold"/>
+                                        <p:tgtEl>
+                                          <p:spTgt spid="254"/>
+                                        </p:tgtEl>
+                                        <p:attrNameLst>
+                                          <p:attrName>ppt_y</p:attrName>
+                                        </p:attrNameLst>
+                                      </p:cBhvr>
+                                      <p:tavLst>
+                                        <p:tav tm="0">
+                                          <p:val>
+                                            <p:strVal val="1+#ppt_h/2"/>
+                                          </p:val>
+                                        </p:tav>
+                                        <p:tav tm="100000">
+                                          <p:val>
+                                            <p:strVal val="#ppt_y"/>
+                                          </p:val>
+                                        </p:tav>
+                                      </p:tavLst>
+                                    </p:anim>
+                                  </p:childTnLst>
+                                </p:cTn>
+                              </p:par>
+                              <p:par>
+                                <p:cTn id="23" presetID="2" presetClass="entr" presetSubtype="4" fill="hold" grpId="0" nodeType="withEffect">
+                                  <p:stCondLst>
+                                    <p:cond delay="0"/>
+                                  </p:stCondLst>
+                                  <p:childTnLst>
+                                    <p:set>
+                                      <p:cBhvr>
+                                        <p:cTn id="24" dur="1" fill="hold">
+                                          <p:stCondLst>
+                                            <p:cond delay="0"/>
+                                          </p:stCondLst>
+                                        </p:cTn>
+                                        <p:tgtEl>
+                                          <p:spTgt spid="259"/>
+                                        </p:tgtEl>
+                                        <p:attrNameLst>
+                                          <p:attrName>style.visibility</p:attrName>
+                                        </p:attrNameLst>
+                                      </p:cBhvr>
+                                      <p:to>
+                                        <p:strVal val="visible"/>
+                                      </p:to>
+                                    </p:set>
+                                    <p:anim calcmode="lin" valueType="num">
+                                      <p:cBhvr additive="base">
+                                        <p:cTn id="25" dur="500" fill="hold"/>
+                                        <p:tgtEl>
+                                          <p:spTgt spid="259"/>
+                                        </p:tgtEl>
+                                        <p:attrNameLst>
+                                          <p:attrName>ppt_x</p:attrName>
+                                        </p:attrNameLst>
+                                      </p:cBhvr>
+                                      <p:tavLst>
+                                        <p:tav tm="0">
+                                          <p:val>
+                                            <p:strVal val="#ppt_x"/>
+                                          </p:val>
+                                        </p:tav>
+                                        <p:tav tm="100000">
+                                          <p:val>
+                                            <p:strVal val="#ppt_x"/>
+                                          </p:val>
+                                        </p:tav>
+                                      </p:tavLst>
+                                    </p:anim>
+                                    <p:anim calcmode="lin" valueType="num">
+                                      <p:cBhvr additive="base">
+                                        <p:cTn id="26" dur="500" fill="hold"/>
+                                        <p:tgtEl>
+                                          <p:spTgt spid="259"/>
+                                        </p:tgtEl>
+                                        <p:attrNameLst>
+                                          <p:attrName>ppt_y</p:attrName>
+                                        </p:attrNameLst>
+                                      </p:cBhvr>
+                                      <p:tavLst>
+                                        <p:tav tm="0">
+                                          <p:val>
+                                            <p:strVal val="1+#ppt_h/2"/>
+                                          </p:val>
+                                        </p:tav>
+                                        <p:tav tm="100000">
+                                          <p:val>
+                                            <p:strVal val="#ppt_y"/>
+                                          </p:val>
+                                        </p:tav>
+                                      </p:tavLst>
+                                    </p:anim>
+                                  </p:childTnLst>
+                                </p:cTn>
+                              </p:par>
+                              <p:par>
+                                <p:cTn id="27" presetID="2" presetClass="entr" presetSubtype="4" fill="hold" grpId="0" nodeType="withEffect">
+                                  <p:stCondLst>
+                                    <p:cond delay="0"/>
+                                  </p:stCondLst>
+                                  <p:childTnLst>
+                                    <p:set>
+                                      <p:cBhvr>
+                                        <p:cTn id="28" dur="1" fill="hold">
+                                          <p:stCondLst>
+                                            <p:cond delay="0"/>
+                                          </p:stCondLst>
+                                        </p:cTn>
+                                        <p:tgtEl>
+                                          <p:spTgt spid="265"/>
+                                        </p:tgtEl>
+                                        <p:attrNameLst>
+                                          <p:attrName>style.visibility</p:attrName>
+                                        </p:attrNameLst>
+                                      </p:cBhvr>
+                                      <p:to>
+                                        <p:strVal val="visible"/>
+                                      </p:to>
+                                    </p:set>
+                                    <p:anim calcmode="lin" valueType="num">
+                                      <p:cBhvr additive="base">
+                                        <p:cTn id="29" dur="500" fill="hold"/>
+                                        <p:tgtEl>
+                                          <p:spTgt spid="265"/>
+                                        </p:tgtEl>
+                                        <p:attrNameLst>
+                                          <p:attrName>ppt_x</p:attrName>
+                                        </p:attrNameLst>
+                                      </p:cBhvr>
+                                      <p:tavLst>
+                                        <p:tav tm="0">
+                                          <p:val>
+                                            <p:strVal val="#ppt_x"/>
+                                          </p:val>
+                                        </p:tav>
+                                        <p:tav tm="100000">
+                                          <p:val>
+                                            <p:strVal val="#ppt_x"/>
+                                          </p:val>
+                                        </p:tav>
+                                      </p:tavLst>
+                                    </p:anim>
+                                    <p:anim calcmode="lin" valueType="num">
+                                      <p:cBhvr additive="base">
+                                        <p:cTn id="30" dur="500" fill="hold"/>
+                                        <p:tgtEl>
+                                          <p:spTgt spid="265"/>
+                                        </p:tgtEl>
+                                        <p:attrNameLst>
+                                          <p:attrName>ppt_y</p:attrName>
+                                        </p:attrNameLst>
+                                      </p:cBhvr>
+                                      <p:tavLst>
+                                        <p:tav tm="0">
+                                          <p:val>
+                                            <p:strVal val="1+#ppt_h/2"/>
+                                          </p:val>
+                                        </p:tav>
+                                        <p:tav tm="100000">
+                                          <p:val>
+                                            <p:strVal val="#ppt_y"/>
+                                          </p:val>
+                                        </p:tav>
+                                      </p:tavLst>
+                                    </p:anim>
+                                  </p:childTnLst>
+                                </p:cTn>
+                              </p:par>
+                            </p:childTnLst>
+                          </p:cTn>
+                        </p:par>
+                      </p:childTnLst>
+                    </p:cTn>
+                  </p:par>
+                  <p:par>
+                    <p:cTn id="31" fill="hold">
+                      <p:stCondLst>
+                        <p:cond delay="indefinite"/>
+                      </p:stCondLst>
+                      <p:childTnLst>
+                        <p:par>
+                          <p:cTn id="32" fill="hold">
+                            <p:stCondLst>
+                              <p:cond delay="0"/>
+                            </p:stCondLst>
+                            <p:childTnLst>
+                              <p:par>
+                                <p:cTn id="33" presetID="2" presetClass="entr" presetSubtype="4" fill="hold" grpId="0" nodeType="clickEffect">
+                                  <p:stCondLst>
+                                    <p:cond delay="0"/>
+                                  </p:stCondLst>
+                                  <p:childTnLst>
+                                    <p:set>
+                                      <p:cBhvr>
+                                        <p:cTn id="34" dur="1" fill="hold">
+                                          <p:stCondLst>
+                                            <p:cond delay="0"/>
+                                          </p:stCondLst>
+                                        </p:cTn>
+                                        <p:tgtEl>
+                                          <p:spTgt spid="256"/>
+                                        </p:tgtEl>
+                                        <p:attrNameLst>
+                                          <p:attrName>style.visibility</p:attrName>
+                                        </p:attrNameLst>
+                                      </p:cBhvr>
+                                      <p:to>
+                                        <p:strVal val="visible"/>
+                                      </p:to>
+                                    </p:set>
+                                    <p:anim calcmode="lin" valueType="num">
+                                      <p:cBhvr additive="base">
+                                        <p:cTn id="35" dur="500" fill="hold"/>
+                                        <p:tgtEl>
+                                          <p:spTgt spid="256"/>
+                                        </p:tgtEl>
+                                        <p:attrNameLst>
+                                          <p:attrName>ppt_x</p:attrName>
+                                        </p:attrNameLst>
+                                      </p:cBhvr>
+                                      <p:tavLst>
+                                        <p:tav tm="0">
+                                          <p:val>
+                                            <p:strVal val="#ppt_x"/>
+                                          </p:val>
+                                        </p:tav>
+                                        <p:tav tm="100000">
+                                          <p:val>
+                                            <p:strVal val="#ppt_x"/>
+                                          </p:val>
+                                        </p:tav>
+                                      </p:tavLst>
+                                    </p:anim>
+                                    <p:anim calcmode="lin" valueType="num">
+                                      <p:cBhvr additive="base">
+                                        <p:cTn id="36" dur="500" fill="hold"/>
+                                        <p:tgtEl>
+                                          <p:spTgt spid="256"/>
+                                        </p:tgtEl>
+                                        <p:attrNameLst>
+                                          <p:attrName>ppt_y</p:attrName>
+                                        </p:attrNameLst>
+                                      </p:cBhvr>
+                                      <p:tavLst>
+                                        <p:tav tm="0">
+                                          <p:val>
+                                            <p:strVal val="1+#ppt_h/2"/>
+                                          </p:val>
+                                        </p:tav>
+                                        <p:tav tm="100000">
+                                          <p:val>
+                                            <p:strVal val="#ppt_y"/>
+                                          </p:val>
+                                        </p:tav>
+                                      </p:tavLst>
+                                    </p:anim>
+                                  </p:childTnLst>
+                                </p:cTn>
+                              </p:par>
+                              <p:par>
+                                <p:cTn id="37" presetID="2" presetClass="entr" presetSubtype="4" fill="hold" grpId="0" nodeType="withEffect">
+                                  <p:stCondLst>
+                                    <p:cond delay="0"/>
+                                  </p:stCondLst>
+                                  <p:childTnLst>
+                                    <p:set>
+                                      <p:cBhvr>
+                                        <p:cTn id="38" dur="1" fill="hold">
+                                          <p:stCondLst>
+                                            <p:cond delay="0"/>
+                                          </p:stCondLst>
+                                        </p:cTn>
+                                        <p:tgtEl>
+                                          <p:spTgt spid="263"/>
+                                        </p:tgtEl>
+                                        <p:attrNameLst>
+                                          <p:attrName>style.visibility</p:attrName>
+                                        </p:attrNameLst>
+                                      </p:cBhvr>
+                                      <p:to>
+                                        <p:strVal val="visible"/>
+                                      </p:to>
+                                    </p:set>
+                                    <p:anim calcmode="lin" valueType="num">
+                                      <p:cBhvr additive="base">
+                                        <p:cTn id="39" dur="500" fill="hold"/>
+                                        <p:tgtEl>
+                                          <p:spTgt spid="263"/>
+                                        </p:tgtEl>
+                                        <p:attrNameLst>
+                                          <p:attrName>ppt_x</p:attrName>
+                                        </p:attrNameLst>
+                                      </p:cBhvr>
+                                      <p:tavLst>
+                                        <p:tav tm="0">
+                                          <p:val>
+                                            <p:strVal val="#ppt_x"/>
+                                          </p:val>
+                                        </p:tav>
+                                        <p:tav tm="100000">
+                                          <p:val>
+                                            <p:strVal val="#ppt_x"/>
+                                          </p:val>
+                                        </p:tav>
+                                      </p:tavLst>
+                                    </p:anim>
+                                    <p:anim calcmode="lin" valueType="num">
+                                      <p:cBhvr additive="base">
+                                        <p:cTn id="40" dur="500" fill="hold"/>
+                                        <p:tgtEl>
+                                          <p:spTgt spid="263"/>
+                                        </p:tgtEl>
+                                        <p:attrNameLst>
+                                          <p:attrName>ppt_y</p:attrName>
+                                        </p:attrNameLst>
+                                      </p:cBhvr>
+                                      <p:tavLst>
+                                        <p:tav tm="0">
+                                          <p:val>
+                                            <p:strVal val="1+#ppt_h/2"/>
+                                          </p:val>
+                                        </p:tav>
+                                        <p:tav tm="100000">
+                                          <p:val>
+                                            <p:strVal val="#ppt_y"/>
+                                          </p:val>
+                                        </p:tav>
+                                      </p:tavLst>
+                                    </p:anim>
+                                  </p:childTnLst>
+                                </p:cTn>
+                              </p:par>
+                              <p:par>
+                                <p:cTn id="41" presetID="2" presetClass="entr" presetSubtype="4" fill="hold" grpId="0" nodeType="withEffect">
+                                  <p:stCondLst>
+                                    <p:cond delay="0"/>
+                                  </p:stCondLst>
+                                  <p:childTnLst>
+                                    <p:set>
+                                      <p:cBhvr>
+                                        <p:cTn id="42" dur="1" fill="hold">
+                                          <p:stCondLst>
+                                            <p:cond delay="0"/>
+                                          </p:stCondLst>
+                                        </p:cTn>
+                                        <p:tgtEl>
+                                          <p:spTgt spid="267"/>
+                                        </p:tgtEl>
+                                        <p:attrNameLst>
+                                          <p:attrName>style.visibility</p:attrName>
+                                        </p:attrNameLst>
+                                      </p:cBhvr>
+                                      <p:to>
+                                        <p:strVal val="visible"/>
+                                      </p:to>
+                                    </p:set>
+                                    <p:anim calcmode="lin" valueType="num">
+                                      <p:cBhvr additive="base">
+                                        <p:cTn id="43" dur="500" fill="hold"/>
+                                        <p:tgtEl>
+                                          <p:spTgt spid="267"/>
+                                        </p:tgtEl>
+                                        <p:attrNameLst>
+                                          <p:attrName>ppt_x</p:attrName>
+                                        </p:attrNameLst>
+                                      </p:cBhvr>
+                                      <p:tavLst>
+                                        <p:tav tm="0">
+                                          <p:val>
+                                            <p:strVal val="#ppt_x"/>
+                                          </p:val>
+                                        </p:tav>
+                                        <p:tav tm="100000">
+                                          <p:val>
+                                            <p:strVal val="#ppt_x"/>
+                                          </p:val>
+                                        </p:tav>
+                                      </p:tavLst>
+                                    </p:anim>
+                                    <p:anim calcmode="lin" valueType="num">
+                                      <p:cBhvr additive="base">
+                                        <p:cTn id="44" dur="500" fill="hold"/>
+                                        <p:tgtEl>
+                                          <p:spTgt spid="267"/>
+                                        </p:tgtEl>
+                                        <p:attrNameLst>
+                                          <p:attrName>ppt_y</p:attrName>
+                                        </p:attrNameLst>
+                                      </p:cBhvr>
+                                      <p:tavLst>
+                                        <p:tav tm="0">
+                                          <p:val>
+                                            <p:strVal val="1+#ppt_h/2"/>
+                                          </p:val>
+                                        </p:tav>
+                                        <p:tav tm="100000">
+                                          <p:val>
+                                            <p:strVal val="#ppt_y"/>
+                                          </p:val>
+                                        </p:tav>
+                                      </p:tavLst>
+                                    </p:anim>
+                                  </p:childTnLst>
+                                </p:cTn>
+                              </p:par>
+                            </p:childTnLst>
+                          </p:cTn>
+                        </p:par>
+                      </p:childTnLst>
+                    </p:cTn>
+                  </p:par>
+                </p:childTnLst>
+              </p:cTn>
+              <p:prevCondLst>
+                <p:cond evt="onPrev" delay="0">
+                  <p:tgtEl>
+                    <p:sldTgt/>
+                  </p:tgtEl>
+                </p:cond>
+              </p:prevCondLst>
+              <p:nextCondLst>
+                <p:cond evt="onNext" delay="0">
+                  <p:tgtEl>
+                    <p:sldTgt/>
+                  </p:tgtEl>
+                </p:cond>
+              </p:nextCondLst>
+            </p:seq>
+          </p:childTnLst>
+        </p:cTn>
+      </p:par>
+    </p:tnLst>
+    <p:bldLst>
+      <p:bldP spid="252" grpId="0" animBg="1"/>
+      <p:bldP spid="253" grpId="0"/>
+      <p:bldP spid="254" grpId="0" animBg="1"/>
+      <p:bldP spid="256" grpId="0" animBg="1"/>
+      <p:bldP spid="257" grpId="0"/>
+      <p:bldP spid="259" grpId="0"/>
+      <p:bldP spid="263" grpId="0"/>
+      <p:bldP spid="265" grpId="0"/>
+      <p:bldP spid="267" grpId="0"/>
+    </p:bldLst>
+  </p:timing>
 </p:sld>
 </file>
 
@@ -20980,6 +21747,9 @@
   <p:clrMapOvr>
     <a:masterClrMapping/>
   </p:clrMapOvr>
+  <p:transition spd="med">
+    <p:pull/>
+  </p:transition>
 </p:sld>
 </file>
 
@@ -21143,6 +21913,9 @@
   <p:clrMapOvr>
     <a:masterClrMapping/>
   </p:clrMapOvr>
+  <p:transition spd="slow">
+    <p:cover/>
+  </p:transition>
 </p:sld>
 </file>
 
@@ -21217,7 +21990,7 @@
         </p:nvSpPr>
         <p:spPr>
           <a:xfrm>
-            <a:off x="1238325" y="2358000"/>
+            <a:off x="2294492" y="2358000"/>
             <a:ext cx="1871400" cy="427500"/>
           </a:xfrm>
           <a:prstGeom prst="rect">
@@ -21242,48 +22015,6 @@
             <a:r>
               <a:rPr lang="en" dirty="0"/>
               <a:t>Microsoft Teams</a:t>
-            </a:r>
-            <a:endParaRPr dirty="0"/>
-          </a:p>
-        </p:txBody>
-      </p:sp>
-      <p:sp>
-        <p:nvSpPr>
-          <p:cNvPr id="1130" name="Google Shape;1130;p41"/>
-          <p:cNvSpPr txBox="1">
-            <a:spLocks noGrp="1"/>
-          </p:cNvSpPr>
-          <p:nvPr>
-            <p:ph type="title" idx="3"/>
-          </p:nvPr>
-        </p:nvSpPr>
-        <p:spPr>
-          <a:xfrm>
-            <a:off x="3636300" y="2358000"/>
-            <a:ext cx="1871400" cy="427500"/>
-          </a:xfrm>
-          <a:prstGeom prst="rect">
-            <a:avLst/>
-          </a:prstGeom>
-        </p:spPr>
-        <p:txBody>
-          <a:bodyPr spcFirstLastPara="1" wrap="square" lIns="91425" tIns="91425" rIns="91425" bIns="91425" anchor="b" anchorCtr="0">
-            <a:noAutofit/>
-          </a:bodyPr>
-          <a:lstStyle/>
-          <a:p>
-            <a:pPr marL="0" lvl="0" indent="0" algn="ctr" rtl="0">
-              <a:spcBef>
-                <a:spcPts val="0"/>
-              </a:spcBef>
-              <a:spcAft>
-                <a:spcPts val="0"/>
-              </a:spcAft>
-              <a:buNone/>
-            </a:pPr>
-            <a:r>
-              <a:rPr lang="en" dirty="0"/>
-              <a:t>Discord</a:t>
             </a:r>
             <a:endParaRPr dirty="0"/>
           </a:p>
@@ -21301,7 +22032,7 @@
         </p:nvSpPr>
         <p:spPr>
           <a:xfrm>
-            <a:off x="6033550" y="2358000"/>
+            <a:off x="4932560" y="2358000"/>
             <a:ext cx="1871400" cy="427500"/>
           </a:xfrm>
           <a:prstGeom prst="rect">
@@ -21479,38 +22210,8 @@
         </p:blipFill>
         <p:spPr>
           <a:xfrm>
-            <a:off x="1690845" y="1332675"/>
+            <a:off x="2747012" y="1332675"/>
             <a:ext cx="966360" cy="900000"/>
-          </a:xfrm>
-          <a:prstGeom prst="rect">
-            <a:avLst/>
-          </a:prstGeom>
-        </p:spPr>
-      </p:pic>
-      <p:pic>
-        <p:nvPicPr>
-          <p:cNvPr id="17" name="Picture 16">
-            <a:extLst>
-              <a:ext uri="{FF2B5EF4-FFF2-40B4-BE49-F238E27FC236}">
-                <a16:creationId xmlns:a16="http://schemas.microsoft.com/office/drawing/2014/main" id="{269AEE16-ABDF-93C7-8844-00F55C6637AB}"/>
-              </a:ext>
-            </a:extLst>
-          </p:cNvPr>
-          <p:cNvPicPr>
-            <a:picLocks noChangeAspect="1"/>
-          </p:cNvPicPr>
-          <p:nvPr/>
-        </p:nvPicPr>
-        <p:blipFill>
-          <a:blip r:embed="rId4"/>
-          <a:stretch>
-            <a:fillRect/>
-          </a:stretch>
-        </p:blipFill>
-        <p:spPr>
-          <a:xfrm>
-            <a:off x="3889040" y="1077215"/>
-            <a:ext cx="1365920" cy="1365920"/>
           </a:xfrm>
           <a:prstGeom prst="rect">
             <a:avLst/>
@@ -21532,14 +22233,14 @@
           <p:nvPr/>
         </p:nvPicPr>
         <p:blipFill>
-          <a:blip r:embed="rId5"/>
+          <a:blip r:embed="rId4"/>
           <a:stretch>
             <a:fillRect/>
           </a:stretch>
         </p:blipFill>
         <p:spPr>
           <a:xfrm>
-            <a:off x="6486795" y="1332675"/>
+            <a:off x="5385805" y="1332675"/>
             <a:ext cx="900000" cy="900000"/>
           </a:xfrm>
           <a:prstGeom prst="rect">
@@ -21562,7 +22263,7 @@
           <p:nvPr/>
         </p:nvPicPr>
         <p:blipFill>
-          <a:blip r:embed="rId6"/>
+          <a:blip r:embed="rId5"/>
           <a:stretch>
             <a:fillRect/>
           </a:stretch>
@@ -21592,7 +22293,7 @@
           <p:nvPr/>
         </p:nvPicPr>
         <p:blipFill>
-          <a:blip r:embed="rId7">
+          <a:blip r:embed="rId6">
             <a:extLst>
               <a:ext uri="{28A0092B-C50C-407E-A947-70E740481C1C}">
                 <a14:useLocalDpi xmlns:a14="http://schemas.microsoft.com/office/drawing/2010/main" val="0"/>
@@ -21639,7 +22340,7 @@
           <p:nvPr/>
         </p:nvPicPr>
         <p:blipFill>
-          <a:blip r:embed="rId8"/>
+          <a:blip r:embed="rId7"/>
           <a:stretch>
             <a:fillRect/>
           </a:stretch>
@@ -21659,6 +22360,9 @@
   <p:clrMapOvr>
     <a:masterClrMapping/>
   </p:clrMapOvr>
+  <p:transition spd="slow">
+    <p:push dir="u"/>
+  </p:transition>
 </p:sld>
 </file>
 
@@ -22632,6 +23336,18 @@
   <p:clrMapOvr>
     <a:masterClrMapping/>
   </p:clrMapOvr>
+  <mc:AlternateContent xmlns:mc="http://schemas.openxmlformats.org/markup-compatibility/2006">
+    <mc:Choice xmlns:p14="http://schemas.microsoft.com/office/powerpoint/2010/main" Requires="p14">
+      <p:transition spd="med" p14:dur="700">
+        <p:fade/>
+      </p:transition>
+    </mc:Choice>
+    <mc:Fallback>
+      <p:transition spd="med">
+        <p:fade/>
+      </p:transition>
+    </mc:Fallback>
+  </mc:AlternateContent>
 </p:sld>
 </file>
 
@@ -22670,8 +23386,8 @@
         </p:nvSpPr>
         <p:spPr>
           <a:xfrm>
-            <a:off x="1691640" y="1729950"/>
-            <a:ext cx="5760720" cy="841800"/>
+            <a:off x="1249857" y="2150850"/>
+            <a:ext cx="6644286" cy="841800"/>
           </a:xfrm>
         </p:spPr>
         <p:txBody>
@@ -22679,7 +23395,7 @@
           <a:lstStyle/>
           <a:p>
             <a:r>
-              <a:rPr lang="en-US" dirty="0"/>
+              <a:rPr lang="en-US" sz="4400" dirty="0"/>
               <a:t>Now let's continue to the site</a:t>
             </a:r>
           </a:p>
@@ -22695,6 +23411,18 @@
   <p:clrMapOvr>
     <a:masterClrMapping/>
   </p:clrMapOvr>
+  <mc:AlternateContent xmlns:mc="http://schemas.openxmlformats.org/markup-compatibility/2006">
+    <mc:Choice xmlns:p15="http://schemas.microsoft.com/office/powerpoint/2012/main" Requires="p15">
+      <p:transition xmlns:p14="http://schemas.microsoft.com/office/powerpoint/2010/main" spd="slow" p14:dur="4000">
+        <p15:prstTrans prst="curtains"/>
+      </p:transition>
+    </mc:Choice>
+    <mc:Fallback>
+      <p:transition spd="slow">
+        <p:fade/>
+      </p:transition>
+    </mc:Fallback>
+  </mc:AlternateContent>
 </p:sld>
 </file>
 

--- a/documentaion/The Bankers presentation.pptx
+++ b/documentaion/The Bankers presentation.pptx
@@ -20,11 +20,11 @@
   <p:notesSz cx="6858000" cy="9144000"/>
   <p:embeddedFontLst>
     <p:embeddedFont>
-      <p:font typeface="Abel" panose="020B0604020202020204" charset="0"/>
+      <p:font typeface="Abel" panose="02000506030000020004" pitchFamily="2" charset="0"/>
       <p:regular r:id="rId10"/>
     </p:embeddedFont>
     <p:embeddedFont>
-      <p:font typeface="Fjalla One" panose="020B0604020202020204" charset="0"/>
+      <p:font typeface="Fjalla One" panose="02000506040000020004" pitchFamily="2" charset="0"/>
       <p:regular r:id="rId11"/>
     </p:embeddedFont>
   </p:embeddedFontLst>
@@ -20731,13 +20731,13 @@
   <p:clrMapOvr>
     <a:masterClrMapping/>
   </p:clrMapOvr>
-  <mc:AlternateContent xmlns:mc="http://schemas.openxmlformats.org/markup-compatibility/2006">
-    <mc:Choice xmlns:p14="http://schemas.microsoft.com/office/powerpoint/2010/main" Requires="p14">
+  <mc:AlternateContent xmlns:mc="http://schemas.openxmlformats.org/markup-compatibility/2006" xmlns:p14="http://schemas.microsoft.com/office/powerpoint/2010/main">
+    <mc:Choice Requires="p14">
       <p:transition spd="slow" p14:dur="800">
         <p:circle/>
       </p:transition>
     </mc:Choice>
-    <mc:Fallback>
+    <mc:Fallback xmlns="">
       <p:transition spd="slow">
         <p:circle/>
       </p:transition>
@@ -22827,7 +22827,7 @@
             </a:pPr>
             <a:r>
               <a:rPr lang="en" dirty="0"/>
-              <a:t>Backend Developer</a:t>
+              <a:t>Front-End Developer</a:t>
             </a:r>
             <a:endParaRPr dirty="0"/>
           </a:p>
@@ -22916,7 +22916,7 @@
             </a:pPr>
             <a:r>
               <a:rPr lang="en" dirty="0"/>
-              <a:t>Backend Developer</a:t>
+              <a:t>Back-end Developer</a:t>
             </a:r>
             <a:endParaRPr dirty="0"/>
           </a:p>
@@ -23004,8 +23004,12 @@
               <a:buNone/>
             </a:pPr>
             <a:r>
+              <a:rPr lang="en"/>
+              <a:t>Back-end </a:t>
+            </a:r>
+            <a:r>
               <a:rPr lang="en" dirty="0"/>
-              <a:t>Backend Developer</a:t>
+              <a:t>Developer</a:t>
             </a:r>
             <a:endParaRPr dirty="0"/>
           </a:p>
@@ -23336,13 +23340,13 @@
   <p:clrMapOvr>
     <a:masterClrMapping/>
   </p:clrMapOvr>
-  <mc:AlternateContent xmlns:mc="http://schemas.openxmlformats.org/markup-compatibility/2006">
-    <mc:Choice xmlns:p14="http://schemas.microsoft.com/office/powerpoint/2010/main" Requires="p14">
+  <mc:AlternateContent xmlns:mc="http://schemas.openxmlformats.org/markup-compatibility/2006" xmlns:p14="http://schemas.microsoft.com/office/powerpoint/2010/main">
+    <mc:Choice Requires="p14">
       <p:transition spd="med" p14:dur="700">
         <p:fade/>
       </p:transition>
     </mc:Choice>
-    <mc:Fallback>
+    <mc:Fallback xmlns="">
       <p:transition spd="med">
         <p:fade/>
       </p:transition>
@@ -23411,13 +23415,13 @@
   <p:clrMapOvr>
     <a:masterClrMapping/>
   </p:clrMapOvr>
-  <mc:AlternateContent xmlns:mc="http://schemas.openxmlformats.org/markup-compatibility/2006">
-    <mc:Choice xmlns:p15="http://schemas.microsoft.com/office/powerpoint/2012/main" Requires="p15">
+  <mc:AlternateContent xmlns:mc="http://schemas.openxmlformats.org/markup-compatibility/2006" xmlns:p15="http://schemas.microsoft.com/office/powerpoint/2012/main">
+    <mc:Choice Requires="p15">
       <p:transition xmlns:p14="http://schemas.microsoft.com/office/powerpoint/2010/main" spd="slow" p14:dur="4000">
         <p15:prstTrans prst="curtains"/>
       </p:transition>
     </mc:Choice>
-    <mc:Fallback>
+    <mc:Fallback xmlns="">
       <p:transition spd="slow">
         <p:fade/>
       </p:transition>
